--- a/presentations/Session_6_Spring_Cloud_Connectors.pptx
+++ b/presentations/Session_6_Spring_Cloud_Connectors.pptx
@@ -7769,6 +7769,183 @@
           </a:prstGeom>
         </p:spPr>
       </p:pic>
+      <p:sp>
+        <p:nvSpPr>
+          <p:cNvPr id="7" name="Rectangle 6"/>
+          <p:cNvSpPr/>
+          <p:nvPr/>
+        </p:nvSpPr>
+        <p:spPr>
+          <a:xfrm>
+            <a:off x="952441" y="2113242"/>
+            <a:ext cx="8451565" cy="459877"/>
+          </a:xfrm>
+          <a:prstGeom prst="rect">
+            <a:avLst/>
+          </a:prstGeom>
+          <a:solidFill>
+            <a:schemeClr val="bg1"/>
+          </a:solidFill>
+          <a:ln>
+            <a:solidFill>
+              <a:schemeClr val="bg1"/>
+            </a:solidFill>
+          </a:ln>
+          <a:effectLst/>
+        </p:spPr>
+        <p:style>
+          <a:lnRef idx="1">
+            <a:schemeClr val="accent1"/>
+          </a:lnRef>
+          <a:fillRef idx="3">
+            <a:schemeClr val="accent1"/>
+          </a:fillRef>
+          <a:effectRef idx="2">
+            <a:schemeClr val="accent1"/>
+          </a:effectRef>
+          <a:fontRef idx="minor">
+            <a:schemeClr val="lt1"/>
+          </a:fontRef>
+        </p:style>
+        <p:txBody>
+          <a:bodyPr rtlCol="0" anchor="ctr"/>
+          <a:lstStyle/>
+          <a:p>
+            <a:r>
+              <a:rPr lang="en-US" sz="2400" dirty="0" smtClean="0">
+                <a:solidFill>
+                  <a:schemeClr val="tx2">
+                    <a:lumMod val="60000"/>
+                    <a:lumOff val="40000"/>
+                  </a:schemeClr>
+                </a:solidFill>
+              </a:rPr>
+              <a:t>@Profile </a:t>
+            </a:r>
+            <a:r>
+              <a:rPr lang="en-US" sz="2400" dirty="0">
+                <a:solidFill>
+                  <a:schemeClr val="tx2">
+                    <a:lumMod val="60000"/>
+                    <a:lumOff val="40000"/>
+                  </a:schemeClr>
+                </a:solidFill>
+              </a:rPr>
+              <a:t>({</a:t>
+            </a:r>
+            <a:r>
+              <a:rPr lang="en-US" sz="2400" b="1" dirty="0">
+                <a:solidFill>
+                  <a:schemeClr val="tx2">
+                    <a:lumMod val="60000"/>
+                    <a:lumOff val="40000"/>
+                  </a:schemeClr>
+                </a:solidFill>
+              </a:rPr>
+              <a:t>"</a:t>
+            </a:r>
+            <a:r>
+              <a:rPr lang="en-US" sz="2400" b="1" dirty="0" err="1">
+                <a:solidFill>
+                  <a:schemeClr val="tx2">
+                    <a:lumMod val="60000"/>
+                    <a:lumOff val="40000"/>
+                  </a:schemeClr>
+                </a:solidFill>
+              </a:rPr>
+              <a:t>mysql</a:t>
+            </a:r>
+            <a:r>
+              <a:rPr lang="en-US" sz="2400" b="1" dirty="0">
+                <a:solidFill>
+                  <a:schemeClr val="tx2">
+                    <a:lumMod val="60000"/>
+                    <a:lumOff val="40000"/>
+                  </a:schemeClr>
+                </a:solidFill>
+              </a:rPr>
+              <a:t>-cloud"</a:t>
+            </a:r>
+            <a:r>
+              <a:rPr lang="en-US" sz="2400" dirty="0">
+                <a:solidFill>
+                  <a:schemeClr val="tx2">
+                    <a:lumMod val="60000"/>
+                    <a:lumOff val="40000"/>
+                  </a:schemeClr>
+                </a:solidFill>
+              </a:rPr>
+              <a:t>, </a:t>
+            </a:r>
+            <a:r>
+              <a:rPr lang="en-US" sz="2400" b="1" dirty="0">
+                <a:solidFill>
+                  <a:schemeClr val="tx2">
+                    <a:lumMod val="60000"/>
+                    <a:lumOff val="40000"/>
+                  </a:schemeClr>
+                </a:solidFill>
+              </a:rPr>
+              <a:t>"</a:t>
+            </a:r>
+            <a:r>
+              <a:rPr lang="en-US" sz="2400" b="1" dirty="0" err="1">
+                <a:solidFill>
+                  <a:schemeClr val="tx2">
+                    <a:lumMod val="60000"/>
+                    <a:lumOff val="40000"/>
+                  </a:schemeClr>
+                </a:solidFill>
+              </a:rPr>
+              <a:t>postgres</a:t>
+            </a:r>
+            <a:r>
+              <a:rPr lang="en-US" sz="2400" b="1" dirty="0">
+                <a:solidFill>
+                  <a:schemeClr val="tx2">
+                    <a:lumMod val="60000"/>
+                    <a:lumOff val="40000"/>
+                  </a:schemeClr>
+                </a:solidFill>
+              </a:rPr>
+              <a:t>-</a:t>
+            </a:r>
+            <a:r>
+              <a:rPr lang="en-US" sz="2400" b="1" dirty="0" smtClean="0">
+                <a:solidFill>
+                  <a:schemeClr val="tx2">
+                    <a:lumMod val="60000"/>
+                    <a:lumOff val="40000"/>
+                  </a:schemeClr>
+                </a:solidFill>
+              </a:rPr>
+              <a:t>cloud”</a:t>
+            </a:r>
+            <a:r>
+              <a:rPr lang="en-US" sz="2400" dirty="0" smtClean="0">
+                <a:solidFill>
+                  <a:schemeClr val="tx2">
+                    <a:lumMod val="60000"/>
+                    <a:lumOff val="40000"/>
+                  </a:schemeClr>
+                </a:solidFill>
+              </a:rPr>
+              <a:t>}</a:t>
+            </a:r>
+            <a:r>
+              <a:rPr lang="en-US" sz="2400" dirty="0">
+                <a:solidFill>
+                  <a:schemeClr val="tx2">
+                    <a:lumMod val="60000"/>
+                    <a:lumOff val="40000"/>
+                  </a:schemeClr>
+                </a:solidFill>
+              </a:rPr>
+              <a:t>)</a:t>
+            </a:r>
+          </a:p>
+        </p:txBody>
+      </p:sp>
     </p:spTree>
     <p:extLst>
       <p:ext uri="{BB962C8B-B14F-4D97-AF65-F5344CB8AC3E}">
